--- a/modules/axasync/2025春AsyncOS结营报告 - 明扬.pptx
+++ b/modules/axasync/2025春AsyncOS结营报告 - 明扬.pptx
@@ -5,7 +5,7 @@
     <p:sldMasterId id="2147483648" r:id="rId1"/>
   </p:sldMasterIdLst>
   <p:notesMasterIdLst>
-    <p:notesMasterId r:id="rId10"/>
+    <p:notesMasterId r:id="rId11"/>
   </p:notesMasterIdLst>
   <p:sldIdLst>
     <p:sldId id="256" r:id="rId2"/>
@@ -15,7 +15,8 @@
     <p:sldId id="266" r:id="rId6"/>
     <p:sldId id="267" r:id="rId7"/>
     <p:sldId id="262" r:id="rId8"/>
-    <p:sldId id="263" r:id="rId9"/>
+    <p:sldId id="268" r:id="rId9"/>
+    <p:sldId id="263" r:id="rId10"/>
   </p:sldIdLst>
   <p:sldSz cx="12192000" cy="6858000"/>
   <p:notesSz cx="6858000" cy="9144000"/>
@@ -120,14 +121,6 @@
     </p:ext>
   </p:extLst>
 </p:presentation>
-</file>
-
-<file path=ppt/revisionInfo.xml><?xml version="1.0" encoding="utf-8"?>
-<p1510:revInfo xmlns:a="http://schemas.openxmlformats.org/drawingml/2006/main" xmlns:r="http://schemas.openxmlformats.org/officeDocument/2006/relationships" xmlns:p1510="http://schemas.microsoft.com/office/powerpoint/2015/10/main">
-  <p1510:revLst>
-    <p1510:client id="{DF768B31-1A9D-134B-8DB5-51E70A7C61EE}" v="107" dt="2025-06-20T13:17:20.866"/>
-  </p1510:revLst>
-</p1510:revInfo>
 </file>
 
 <file path=ppt/notesMasters/notesMaster1.xml><?xml version="1.0" encoding="utf-8"?>
@@ -3054,19 +3047,7 @@
             </a:r>
             <a:r>
               <a:rPr lang="zh-CN" altLang="en-US" dirty="0"/>
-              <a:t>了我在底层方面的知识漏洞，同时也更深刻的体会到了知识和技术的海洋深不见底，而</a:t>
-            </a:r>
-            <a:r>
-              <a:rPr lang="zh-CN" altLang="en-US"/>
-              <a:t>我仅仅探索了</a:t>
-            </a:r>
-            <a:r>
-              <a:rPr lang="zh-CN" altLang="en-US" dirty="0"/>
-              <a:t>一</a:t>
-            </a:r>
-            <a:r>
-              <a:rPr lang="zh-CN" altLang="en-US"/>
-              <a:t>小块浮冰</a:t>
+              <a:t>了我在底层方面的知识漏洞，同时也更深刻的体会到了知识和技术的海洋深不见底，而我仅仅探索了一小块浮冰</a:t>
             </a:r>
             <a:endParaRPr lang="en-US" altLang="zh-CN" dirty="0"/>
           </a:p>
@@ -3176,7 +3157,7 @@
           <a:p>
             <a:fld id="{575E7C7A-F708-4642-8BC6-5D80CDDBD4DA}" type="slidenum">
               <a:rPr lang="en-CN" smtClean="0"/>
-              <a:t>8</a:t>
+              <a:t>9</a:t>
             </a:fld>
             <a:endParaRPr lang="en-CN"/>
           </a:p>
@@ -11436,6 +11417,129 @@
 </file>
 
 <file path=ppt/slides/slide8.xml><?xml version="1.0" encoding="utf-8"?>
+<p:sld xmlns:a="http://schemas.openxmlformats.org/drawingml/2006/main" xmlns:r="http://schemas.openxmlformats.org/officeDocument/2006/relationships" xmlns:p="http://schemas.openxmlformats.org/presentationml/2006/main">
+  <p:cSld>
+    <p:spTree>
+      <p:nvGrpSpPr>
+        <p:cNvPr id="1" name=""/>
+        <p:cNvGrpSpPr/>
+        <p:nvPr/>
+      </p:nvGrpSpPr>
+      <p:grpSpPr>
+        <a:xfrm>
+          <a:off x="0" y="0"/>
+          <a:ext cx="0" cy="0"/>
+          <a:chOff x="0" y="0"/>
+          <a:chExt cx="0" cy="0"/>
+        </a:xfrm>
+      </p:grpSpPr>
+      <p:sp>
+        <p:nvSpPr>
+          <p:cNvPr id="4" name="AutoShape 2">
+            <a:extLst>
+              <a:ext uri="{FF2B5EF4-FFF2-40B4-BE49-F238E27FC236}">
+                <a16:creationId xmlns:a16="http://schemas.microsoft.com/office/drawing/2014/main" id="{50A9F988-6444-356F-1F0F-AE7297D2DD68}"/>
+              </a:ext>
+            </a:extLst>
+          </p:cNvPr>
+          <p:cNvSpPr>
+            <a:spLocks noChangeAspect="1" noChangeArrowheads="1"/>
+          </p:cNvSpPr>
+          <p:nvPr/>
+        </p:nvSpPr>
+        <p:spPr bwMode="auto">
+          <a:xfrm>
+            <a:off x="5943600" y="3276600"/>
+            <a:ext cx="304800" cy="304800"/>
+          </a:xfrm>
+          <a:prstGeom prst="rect">
+            <a:avLst/>
+          </a:prstGeom>
+          <a:noFill/>
+          <a:extLst>
+            <a:ext uri="{909E8E84-426E-40DD-AFC4-6F175D3DCCD1}">
+              <a14:hiddenFill xmlns:a14="http://schemas.microsoft.com/office/drawing/2010/main">
+                <a:solidFill>
+                  <a:srgbClr val="FFFFFF"/>
+                </a:solidFill>
+              </a14:hiddenFill>
+            </a:ext>
+          </a:extLst>
+        </p:spPr>
+        <p:txBody>
+          <a:bodyPr vert="horz" wrap="square" lIns="91440" tIns="45720" rIns="91440" bIns="45720" numCol="1" anchor="t" anchorCtr="0" compatLnSpc="1">
+            <a:prstTxWarp prst="textNoShape">
+              <a:avLst/>
+            </a:prstTxWarp>
+          </a:bodyPr>
+          <a:lstStyle/>
+          <a:p>
+            <a:endParaRPr lang="en-CN"/>
+          </a:p>
+        </p:txBody>
+      </p:sp>
+      <p:pic>
+        <p:nvPicPr>
+          <p:cNvPr id="8" name="Graphic 7">
+            <a:extLst>
+              <a:ext uri="{FF2B5EF4-FFF2-40B4-BE49-F238E27FC236}">
+                <a16:creationId xmlns:a16="http://schemas.microsoft.com/office/drawing/2014/main" id="{F4B98281-070F-952B-C2E6-7EE4A6BF1DFE}"/>
+              </a:ext>
+            </a:extLst>
+          </p:cNvPr>
+          <p:cNvPicPr>
+            <a:picLocks noChangeAspect="1"/>
+          </p:cNvPicPr>
+          <p:nvPr/>
+        </p:nvPicPr>
+        <p:blipFill>
+          <a:blip r:embed="rId2">
+            <a:extLst>
+              <a:ext uri="{96DAC541-7B7A-43D3-8B79-37D633B846F1}">
+                <asvg:svgBlip xmlns:asvg="http://schemas.microsoft.com/office/drawing/2016/SVG/main" r:embed="rId3"/>
+              </a:ext>
+            </a:extLst>
+          </a:blip>
+          <a:stretch>
+            <a:fillRect/>
+          </a:stretch>
+        </p:blipFill>
+        <p:spPr>
+          <a:xfrm>
+            <a:off x="3355491" y="0"/>
+            <a:ext cx="5481018" cy="6858000"/>
+          </a:xfrm>
+          <a:prstGeom prst="rect">
+            <a:avLst/>
+          </a:prstGeom>
+        </p:spPr>
+      </p:pic>
+    </p:spTree>
+    <p:extLst>
+      <p:ext uri="{BB962C8B-B14F-4D97-AF65-F5344CB8AC3E}">
+        <p14:creationId xmlns:p14="http://schemas.microsoft.com/office/powerpoint/2010/main" val="1569754833"/>
+      </p:ext>
+    </p:extLst>
+  </p:cSld>
+  <p:clrMapOvr>
+    <a:masterClrMapping/>
+  </p:clrMapOvr>
+  <mc:AlternateContent xmlns:mc="http://schemas.openxmlformats.org/markup-compatibility/2006" xmlns:p159="http://schemas.microsoft.com/office/powerpoint/2015/09/main">
+    <mc:Choice Requires="p159">
+      <p:transition xmlns:p14="http://schemas.microsoft.com/office/powerpoint/2010/main" spd="slow" p14:dur="2000">
+        <p159:morph option="byObject"/>
+      </p:transition>
+    </mc:Choice>
+    <mc:Fallback xmlns="">
+      <p:transition spd="slow">
+        <p:fade/>
+      </p:transition>
+    </mc:Fallback>
+  </mc:AlternateContent>
+</p:sld>
+</file>
+
+<file path=ppt/slides/slide9.xml><?xml version="1.0" encoding="utf-8"?>
 <p:sld xmlns:a="http://schemas.openxmlformats.org/drawingml/2006/main" xmlns:r="http://schemas.openxmlformats.org/officeDocument/2006/relationships" xmlns:p="http://schemas.openxmlformats.org/presentationml/2006/main">
   <p:cSld>
     <p:bg>

--- a/modules/axasync/2025春AsyncOS结营报告 - 明扬.pptx
+++ b/modules/axasync/2025春AsyncOS结营报告 - 明扬.pptx
@@ -205,7 +205,7 @@
           <a:p>
             <a:fld id="{DFBFCEAF-048F-AE40-B876-D52A6DD53B38}" type="datetimeFigureOut">
               <a:rPr lang="en-CN" smtClean="0"/>
-              <a:t>2025/6/20</a:t>
+              <a:t>2025/6/22</a:t>
             </a:fld>
             <a:endParaRPr lang="en-CN"/>
           </a:p>
@@ -3325,7 +3325,7 @@
           <a:p>
             <a:fld id="{B92FDC30-2FE3-464A-B98C-CC11E2A85467}" type="datetimeFigureOut">
               <a:rPr lang="en-CN" smtClean="0"/>
-              <a:t>2025/6/20</a:t>
+              <a:t>2025/6/22</a:t>
             </a:fld>
             <a:endParaRPr lang="en-CN"/>
           </a:p>
@@ -3537,7 +3537,7 @@
           <a:p>
             <a:fld id="{B92FDC30-2FE3-464A-B98C-CC11E2A85467}" type="datetimeFigureOut">
               <a:rPr lang="en-CN" smtClean="0"/>
-              <a:t>2025/6/20</a:t>
+              <a:t>2025/6/22</a:t>
             </a:fld>
             <a:endParaRPr lang="en-CN"/>
           </a:p>
@@ -3759,7 +3759,7 @@
           <a:p>
             <a:fld id="{B92FDC30-2FE3-464A-B98C-CC11E2A85467}" type="datetimeFigureOut">
               <a:rPr lang="en-CN" smtClean="0"/>
-              <a:t>2025/6/20</a:t>
+              <a:t>2025/6/22</a:t>
             </a:fld>
             <a:endParaRPr lang="en-CN"/>
           </a:p>
@@ -3971,7 +3971,7 @@
           <a:p>
             <a:fld id="{B92FDC30-2FE3-464A-B98C-CC11E2A85467}" type="datetimeFigureOut">
               <a:rPr lang="en-CN" smtClean="0"/>
-              <a:t>2025/6/20</a:t>
+              <a:t>2025/6/22</a:t>
             </a:fld>
             <a:endParaRPr lang="en-CN"/>
           </a:p>
@@ -4259,7 +4259,7 @@
           <a:p>
             <a:fld id="{B92FDC30-2FE3-464A-B98C-CC11E2A85467}" type="datetimeFigureOut">
               <a:rPr lang="en-CN" smtClean="0"/>
-              <a:t>2025/6/20</a:t>
+              <a:t>2025/6/22</a:t>
             </a:fld>
             <a:endParaRPr lang="en-CN"/>
           </a:p>
@@ -4539,7 +4539,7 @@
           <a:p>
             <a:fld id="{B92FDC30-2FE3-464A-B98C-CC11E2A85467}" type="datetimeFigureOut">
               <a:rPr lang="en-CN" smtClean="0"/>
-              <a:t>2025/6/20</a:t>
+              <a:t>2025/6/22</a:t>
             </a:fld>
             <a:endParaRPr lang="en-CN"/>
           </a:p>
@@ -4966,7 +4966,7 @@
           <a:p>
             <a:fld id="{B92FDC30-2FE3-464A-B98C-CC11E2A85467}" type="datetimeFigureOut">
               <a:rPr lang="en-CN" smtClean="0"/>
-              <a:t>2025/6/20</a:t>
+              <a:t>2025/6/22</a:t>
             </a:fld>
             <a:endParaRPr lang="en-CN"/>
           </a:p>
@@ -5120,7 +5120,7 @@
           <a:p>
             <a:fld id="{B92FDC30-2FE3-464A-B98C-CC11E2A85467}" type="datetimeFigureOut">
               <a:rPr lang="en-CN" smtClean="0"/>
-              <a:t>2025/6/20</a:t>
+              <a:t>2025/6/22</a:t>
             </a:fld>
             <a:endParaRPr lang="en-CN"/>
           </a:p>
@@ -5245,7 +5245,7 @@
           <a:p>
             <a:fld id="{B92FDC30-2FE3-464A-B98C-CC11E2A85467}" type="datetimeFigureOut">
               <a:rPr lang="en-CN" smtClean="0"/>
-              <a:t>2025/6/20</a:t>
+              <a:t>2025/6/22</a:t>
             </a:fld>
             <a:endParaRPr lang="en-CN"/>
           </a:p>
@@ -5570,7 +5570,7 @@
           <a:p>
             <a:fld id="{B92FDC30-2FE3-464A-B98C-CC11E2A85467}" type="datetimeFigureOut">
               <a:rPr lang="en-CN" smtClean="0"/>
-              <a:t>2025/6/20</a:t>
+              <a:t>2025/6/22</a:t>
             </a:fld>
             <a:endParaRPr lang="en-CN"/>
           </a:p>
@@ -5871,7 +5871,7 @@
           <a:p>
             <a:fld id="{B92FDC30-2FE3-464A-B98C-CC11E2A85467}" type="datetimeFigureOut">
               <a:rPr lang="en-CN" smtClean="0"/>
-              <a:t>2025/6/20</a:t>
+              <a:t>2025/6/22</a:t>
             </a:fld>
             <a:endParaRPr lang="en-CN"/>
           </a:p>
@@ -6126,7 +6126,7 @@
           <a:p>
             <a:fld id="{B92FDC30-2FE3-464A-B98C-CC11E2A85467}" type="datetimeFigureOut">
               <a:rPr lang="en-CN" smtClean="0"/>
-              <a:t>2025/6/20</a:t>
+              <a:t>2025/6/22</a:t>
             </a:fld>
             <a:endParaRPr lang="en-CN"/>
           </a:p>
